--- a/nonclassical/nonclassical.pptx
+++ b/nonclassical/nonclassical.pptx
@@ -115,7 +115,7 @@
 <file path=ppt/revisionInfo.xml><?xml version="1.0" encoding="utf-8"?>
 <p1510:revInfo xmlns:a="http://schemas.openxmlformats.org/drawingml/2006/main" xmlns:r="http://schemas.openxmlformats.org/officeDocument/2006/relationships" xmlns:p1510="http://schemas.microsoft.com/office/powerpoint/2015/10/main">
   <p1510:revLst>
-    <p1510:client id="{1B198346-3B86-C2E4-1139-D31283122887}" v="121" dt="2021-01-18T13:37:23.535"/>
+    <p1510:client id="{1B198346-3B86-C2E4-1139-D31283122887}" v="124" dt="2021-01-18T14:14:36.636"/>
     <p1510:client id="{54B126EA-F402-4717-83D0-6175FF541AD5}" v="161" dt="2021-01-18T13:20:22.732"/>
   </p1510:revLst>
 </p1510:revInfo>
@@ -3598,6 +3598,36 @@
           </a:p>
         </p:txBody>
       </p:sp>
+      <p:pic>
+        <p:nvPicPr>
+          <p:cNvPr id="2" name="Picture 2" descr="Icon&#10;&#10;Description automatically generated">
+            <a:extLst>
+              <a:ext uri="{FF2B5EF4-FFF2-40B4-BE49-F238E27FC236}">
+                <a16:creationId xmlns:a16="http://schemas.microsoft.com/office/drawing/2014/main" id="{DD4CA465-4C0C-4AFF-8722-F280A21286B5}"/>
+              </a:ext>
+            </a:extLst>
+          </p:cNvPr>
+          <p:cNvPicPr>
+            <a:picLocks noChangeAspect="1"/>
+          </p:cNvPicPr>
+          <p:nvPr/>
+        </p:nvPicPr>
+        <p:blipFill>
+          <a:blip r:embed="rId6"/>
+          <a:stretch>
+            <a:fillRect/>
+          </a:stretch>
+        </p:blipFill>
+        <p:spPr>
+          <a:xfrm>
+            <a:off x="9389327" y="5835482"/>
+            <a:ext cx="2743200" cy="967085"/>
+          </a:xfrm>
+          <a:prstGeom prst="rect">
+            <a:avLst/>
+          </a:prstGeom>
+        </p:spPr>
+      </p:pic>
     </p:spTree>
     <p:extLst>
       <p:ext uri="{BB962C8B-B14F-4D97-AF65-F5344CB8AC3E}">
